--- a/Sprint 1 & 2 artefacts.pptx
+++ b/Sprint 1 & 2 artefacts.pptx
@@ -5,7 +5,7 @@
     <p:sldMasterId id="2147483659" r:id="rId1"/>
   </p:sldMasterIdLst>
   <p:notesMasterIdLst>
-    <p:notesMasterId r:id="rId19"/>
+    <p:notesMasterId r:id="rId20"/>
   </p:notesMasterIdLst>
   <p:sldIdLst>
     <p:sldId id="256" r:id="rId2"/>
@@ -22,9 +22,10 @@
     <p:sldId id="267" r:id="rId13"/>
     <p:sldId id="268" r:id="rId14"/>
     <p:sldId id="269" r:id="rId15"/>
-    <p:sldId id="270" r:id="rId16"/>
-    <p:sldId id="271" r:id="rId17"/>
-    <p:sldId id="272" r:id="rId18"/>
+    <p:sldId id="272" r:id="rId16"/>
+    <p:sldId id="273" r:id="rId17"/>
+    <p:sldId id="270" r:id="rId18"/>
+    <p:sldId id="271" r:id="rId19"/>
   </p:sldIdLst>
   <p:sldSz cx="9144000" cy="5143500" type="screen16x9"/>
   <p:notesSz cx="6858000" cy="9144000"/>
@@ -230,6 +231,11 @@
       </a:defRPr>
     </a:lvl9pPr>
   </p:defaultTextStyle>
+  <p:extLst>
+    <p:ext uri="{EFAFB233-063F-42B5-8137-9DF3F51BA10A}">
+      <p15:sldGuideLst xmlns:p15="http://schemas.microsoft.com/office/powerpoint/2012/main"/>
+    </p:ext>
+  </p:extLst>
 </p:presentation>
 </file>
 
@@ -1123,7 +1129,7 @@
   <p:cSld>
     <p:spTree>
       <p:nvGrpSpPr>
-        <p:cNvPr id="1" name="Shape 396"/>
+        <p:cNvPr id="1" name="Shape 537"/>
         <p:cNvGrpSpPr/>
         <p:nvPr/>
       </p:nvGrpSpPr>
@@ -1137,7 +1143,7 @@
       </p:grpSpPr>
       <p:sp>
         <p:nvSpPr>
-          <p:cNvPr id="397" name="Shape 397"/>
+          <p:cNvPr id="538" name="Shape 538"/>
           <p:cNvSpPr>
             <a:spLocks noGrp="1" noRot="1" noChangeAspect="1"/>
           </p:cNvSpPr>
@@ -1178,7 +1184,7 @@
       </p:sp>
       <p:sp>
         <p:nvSpPr>
-          <p:cNvPr id="398" name="Shape 398"/>
+          <p:cNvPr id="539" name="Shape 539"/>
           <p:cNvSpPr txBox="1">
             <a:spLocks noGrp="1"/>
           </p:cNvSpPr>
@@ -1224,7 +1230,7 @@
   <p:cSld>
     <p:spTree>
       <p:nvGrpSpPr>
-        <p:cNvPr id="1" name="Shape 435"/>
+        <p:cNvPr id="1" name="Shape 396"/>
         <p:cNvGrpSpPr/>
         <p:nvPr/>
       </p:nvGrpSpPr>
@@ -1238,7 +1244,7 @@
       </p:grpSpPr>
       <p:sp>
         <p:nvSpPr>
-          <p:cNvPr id="436" name="Shape 436"/>
+          <p:cNvPr id="397" name="Shape 397"/>
           <p:cNvSpPr>
             <a:spLocks noGrp="1" noRot="1" noChangeAspect="1"/>
           </p:cNvSpPr>
@@ -1279,7 +1285,7 @@
       </p:sp>
       <p:sp>
         <p:nvSpPr>
-          <p:cNvPr id="437" name="Shape 437"/>
+          <p:cNvPr id="398" name="Shape 398"/>
           <p:cNvSpPr txBox="1">
             <a:spLocks noGrp="1"/>
           </p:cNvSpPr>
@@ -1302,7 +1308,7 @@
           </a:bodyPr>
           <a:lstStyle/>
           <a:p>
-            <a:pPr lvl="0" rtl="0">
+            <a:pPr lvl="0">
               <a:spcBef>
                 <a:spcPts val="0"/>
               </a:spcBef>
@@ -1325,7 +1331,7 @@
   <p:cSld>
     <p:spTree>
       <p:nvGrpSpPr>
-        <p:cNvPr id="1" name="Shape 537"/>
+        <p:cNvPr id="1" name="Shape 435"/>
         <p:cNvGrpSpPr/>
         <p:nvPr/>
       </p:nvGrpSpPr>
@@ -1339,7 +1345,7 @@
       </p:grpSpPr>
       <p:sp>
         <p:nvSpPr>
-          <p:cNvPr id="538" name="Shape 538"/>
+          <p:cNvPr id="436" name="Shape 436"/>
           <p:cNvSpPr>
             <a:spLocks noGrp="1" noRot="1" noChangeAspect="1"/>
           </p:cNvSpPr>
@@ -1380,7 +1386,7 @@
       </p:sp>
       <p:sp>
         <p:nvSpPr>
-          <p:cNvPr id="539" name="Shape 539"/>
+          <p:cNvPr id="437" name="Shape 437"/>
           <p:cNvSpPr txBox="1">
             <a:spLocks noGrp="1"/>
           </p:cNvSpPr>
@@ -1403,7 +1409,7 @@
           </a:bodyPr>
           <a:lstStyle/>
           <a:p>
-            <a:pPr lvl="0">
+            <a:pPr lvl="0" rtl="0">
               <a:spcBef>
                 <a:spcPts val="0"/>
               </a:spcBef>
@@ -11967,6 +11973,210 @@
   <p:cSld>
     <p:spTree>
       <p:nvGrpSpPr>
+        <p:cNvPr id="1" name="Shape 540"/>
+        <p:cNvGrpSpPr/>
+        <p:nvPr/>
+      </p:nvGrpSpPr>
+      <p:grpSpPr>
+        <a:xfrm>
+          <a:off x="0" y="0"/>
+          <a:ext cx="0" cy="0"/>
+          <a:chOff x="0" y="0"/>
+          <a:chExt cx="0" cy="0"/>
+        </a:xfrm>
+      </p:grpSpPr>
+      <p:sp>
+        <p:nvSpPr>
+          <p:cNvPr id="541" name="Shape 541"/>
+          <p:cNvSpPr txBox="1">
+            <a:spLocks noGrp="1"/>
+          </p:cNvSpPr>
+          <p:nvPr>
+            <p:ph type="title"/>
+          </p:nvPr>
+        </p:nvSpPr>
+        <p:spPr>
+          <a:xfrm>
+            <a:off x="388968" y="412775"/>
+            <a:ext cx="8520600" cy="572700"/>
+          </a:xfrm>
+          <a:prstGeom prst="rect">
+            <a:avLst/>
+          </a:prstGeom>
+        </p:spPr>
+        <p:txBody>
+          <a:bodyPr wrap="square" lIns="91425" tIns="91425" rIns="91425" bIns="91425" anchor="t" anchorCtr="0">
+            <a:noAutofit/>
+          </a:bodyPr>
+          <a:lstStyle/>
+          <a:p>
+            <a:pPr lvl="0">
+              <a:spcBef>
+                <a:spcPts val="0"/>
+              </a:spcBef>
+              <a:buNone/>
+            </a:pPr>
+            <a:r>
+              <a:rPr lang="en-GB" sz="2200" dirty="0"/>
+              <a:t>State chart diagram for Smart City 1.2 - User Information Pages</a:t>
+            </a:r>
+          </a:p>
+          <a:p>
+            <a:pPr lvl="0">
+              <a:spcBef>
+                <a:spcPts val="0"/>
+              </a:spcBef>
+              <a:buNone/>
+            </a:pPr>
+            <a:endParaRPr dirty="0"/>
+          </a:p>
+        </p:txBody>
+      </p:sp>
+      <p:pic>
+        <p:nvPicPr>
+          <p:cNvPr id="4" name="Picture 3">
+            <a:extLst>
+              <a:ext uri="{FF2B5EF4-FFF2-40B4-BE49-F238E27FC236}">
+                <a16:creationId xmlns:a16="http://schemas.microsoft.com/office/drawing/2014/main" id="{6C6640A8-05FC-460D-9201-63EF60FDB9D8}"/>
+              </a:ext>
+            </a:extLst>
+          </p:cNvPr>
+          <p:cNvPicPr/>
+          <p:nvPr/>
+        </p:nvPicPr>
+        <p:blipFill>
+          <a:blip r:embed="rId3">
+            <a:extLst>
+              <a:ext uri="{28A0092B-C50C-407E-A947-70E740481C1C}">
+                <a14:useLocalDpi xmlns:a14="http://schemas.microsoft.com/office/drawing/2010/main" val="0"/>
+              </a:ext>
+            </a:extLst>
+          </a:blip>
+          <a:stretch>
+            <a:fillRect/>
+          </a:stretch>
+        </p:blipFill>
+        <p:spPr>
+          <a:xfrm>
+            <a:off x="897572" y="1203073"/>
+            <a:ext cx="6878372" cy="3730433"/>
+          </a:xfrm>
+          <a:prstGeom prst="rect">
+            <a:avLst/>
+          </a:prstGeom>
+        </p:spPr>
+      </p:pic>
+    </p:spTree>
+  </p:cSld>
+  <p:clrMapOvr>
+    <a:masterClrMapping/>
+  </p:clrMapOvr>
+</p:sld>
+</file>
+
+<file path=ppt/slides/slide16.xml><?xml version="1.0" encoding="utf-8"?>
+<p:sld xmlns:a="http://schemas.openxmlformats.org/drawingml/2006/main" xmlns:r="http://schemas.openxmlformats.org/officeDocument/2006/relationships" xmlns:p="http://schemas.openxmlformats.org/presentationml/2006/main">
+  <p:cSld>
+    <p:spTree>
+      <p:nvGrpSpPr>
+        <p:cNvPr id="1" name=""/>
+        <p:cNvGrpSpPr/>
+        <p:nvPr/>
+      </p:nvGrpSpPr>
+      <p:grpSpPr>
+        <a:xfrm>
+          <a:off x="0" y="0"/>
+          <a:ext cx="0" cy="0"/>
+          <a:chOff x="0" y="0"/>
+          <a:chExt cx="0" cy="0"/>
+        </a:xfrm>
+      </p:grpSpPr>
+      <p:sp>
+        <p:nvSpPr>
+          <p:cNvPr id="2" name="Title 1">
+            <a:extLst>
+              <a:ext uri="{FF2B5EF4-FFF2-40B4-BE49-F238E27FC236}">
+                <a16:creationId xmlns:a16="http://schemas.microsoft.com/office/drawing/2014/main" id="{CCDE85EA-730C-4267-9371-49C8D8523DC3}"/>
+              </a:ext>
+            </a:extLst>
+          </p:cNvPr>
+          <p:cNvSpPr>
+            <a:spLocks noGrp="1"/>
+          </p:cNvSpPr>
+          <p:nvPr>
+            <p:ph type="title"/>
+          </p:nvPr>
+        </p:nvSpPr>
+        <p:spPr>
+          <a:xfrm>
+            <a:off x="623400" y="367053"/>
+            <a:ext cx="8520600" cy="572700"/>
+          </a:xfrm>
+        </p:spPr>
+        <p:txBody>
+          <a:bodyPr/>
+          <a:lstStyle/>
+          <a:p>
+            <a:r>
+              <a:rPr lang="en-GB" sz="2400" dirty="0"/>
+              <a:t>State chart diagram for Smart City 1.2 – Request Access</a:t>
+            </a:r>
+            <a:endParaRPr lang="en-AU" sz="2400" dirty="0"/>
+          </a:p>
+        </p:txBody>
+      </p:sp>
+      <p:pic>
+        <p:nvPicPr>
+          <p:cNvPr id="4" name="Picture 3">
+            <a:extLst>
+              <a:ext uri="{FF2B5EF4-FFF2-40B4-BE49-F238E27FC236}">
+                <a16:creationId xmlns:a16="http://schemas.microsoft.com/office/drawing/2014/main" id="{DF130D94-6331-4A21-B4B2-F19974CFBC52}"/>
+              </a:ext>
+            </a:extLst>
+          </p:cNvPr>
+          <p:cNvPicPr/>
+          <p:nvPr/>
+        </p:nvPicPr>
+        <p:blipFill>
+          <a:blip r:embed="rId2">
+            <a:extLst>
+              <a:ext uri="{28A0092B-C50C-407E-A947-70E740481C1C}">
+                <a14:useLocalDpi xmlns:a14="http://schemas.microsoft.com/office/drawing/2010/main" val="0"/>
+              </a:ext>
+            </a:extLst>
+          </a:blip>
+          <a:stretch>
+            <a:fillRect/>
+          </a:stretch>
+        </p:blipFill>
+        <p:spPr>
+          <a:xfrm>
+            <a:off x="1234921" y="1331640"/>
+            <a:ext cx="5569917" cy="3424658"/>
+          </a:xfrm>
+          <a:prstGeom prst="rect">
+            <a:avLst/>
+          </a:prstGeom>
+        </p:spPr>
+      </p:pic>
+    </p:spTree>
+    <p:extLst>
+      <p:ext uri="{BB962C8B-B14F-4D97-AF65-F5344CB8AC3E}">
+        <p14:creationId xmlns:p14="http://schemas.microsoft.com/office/powerpoint/2010/main" val="1043354104"/>
+      </p:ext>
+    </p:extLst>
+  </p:cSld>
+  <p:clrMapOvr>
+    <a:masterClrMapping/>
+  </p:clrMapOvr>
+</p:sld>
+</file>
+
+<file path=ppt/slides/slide17.xml><?xml version="1.0" encoding="utf-8"?>
+<p:sld xmlns:a="http://schemas.openxmlformats.org/drawingml/2006/main" xmlns:r="http://schemas.openxmlformats.org/officeDocument/2006/relationships" xmlns:p="http://schemas.openxmlformats.org/presentationml/2006/main">
+  <p:cSld>
+    <p:spTree>
+      <p:nvGrpSpPr>
         <p:cNvPr id="1" name="Shape 399"/>
         <p:cNvGrpSpPr/>
         <p:nvPr/>
@@ -12011,8 +12221,8 @@
               <a:buNone/>
             </a:pPr>
             <a:r>
-              <a:rPr lang="en-GB"/>
-              <a:t>Entity relationship diagram- 1.1 - Schech</a:t>
+              <a:rPr lang="en-GB" dirty="0"/>
+              <a:t>Entity relationship diagram- 1.1</a:t>
             </a:r>
           </a:p>
         </p:txBody>
@@ -13300,7 +13510,7 @@
 </p:sld>
 </file>
 
-<file path=ppt/slides/slide16.xml><?xml version="1.0" encoding="utf-8"?>
+<file path=ppt/slides/slide18.xml><?xml version="1.0" encoding="utf-8"?>
 <p:sld xmlns:a="http://schemas.openxmlformats.org/drawingml/2006/main" xmlns:r="http://schemas.openxmlformats.org/officeDocument/2006/relationships" xmlns:p="http://schemas.openxmlformats.org/presentationml/2006/main">
   <p:cSld>
     <p:spTree>
@@ -16580,113 +16790,6 @@
           </p:spPr>
         </p:cxnSp>
       </p:grpSp>
-    </p:spTree>
-  </p:cSld>
-  <p:clrMapOvr>
-    <a:masterClrMapping/>
-  </p:clrMapOvr>
-</p:sld>
-</file>
-
-<file path=ppt/slides/slide17.xml><?xml version="1.0" encoding="utf-8"?>
-<p:sld xmlns:a="http://schemas.openxmlformats.org/drawingml/2006/main" xmlns:r="http://schemas.openxmlformats.org/officeDocument/2006/relationships" xmlns:p="http://schemas.openxmlformats.org/presentationml/2006/main">
-  <p:cSld>
-    <p:spTree>
-      <p:nvGrpSpPr>
-        <p:cNvPr id="1" name="Shape 540"/>
-        <p:cNvGrpSpPr/>
-        <p:nvPr/>
-      </p:nvGrpSpPr>
-      <p:grpSpPr>
-        <a:xfrm>
-          <a:off x="0" y="0"/>
-          <a:ext cx="0" cy="0"/>
-          <a:chOff x="0" y="0"/>
-          <a:chExt cx="0" cy="0"/>
-        </a:xfrm>
-      </p:grpSpPr>
-      <p:sp>
-        <p:nvSpPr>
-          <p:cNvPr id="541" name="Shape 541"/>
-          <p:cNvSpPr txBox="1">
-            <a:spLocks noGrp="1"/>
-          </p:cNvSpPr>
-          <p:nvPr>
-            <p:ph type="title"/>
-          </p:nvPr>
-        </p:nvSpPr>
-        <p:spPr>
-          <a:xfrm>
-            <a:off x="247200" y="412775"/>
-            <a:ext cx="8520600" cy="572700"/>
-          </a:xfrm>
-          <a:prstGeom prst="rect">
-            <a:avLst/>
-          </a:prstGeom>
-        </p:spPr>
-        <p:txBody>
-          <a:bodyPr wrap="square" lIns="91425" tIns="91425" rIns="91425" bIns="91425" anchor="t" anchorCtr="0">
-            <a:noAutofit/>
-          </a:bodyPr>
-          <a:lstStyle/>
-          <a:p>
-            <a:pPr lvl="0">
-              <a:spcBef>
-                <a:spcPts val="0"/>
-              </a:spcBef>
-              <a:buNone/>
-            </a:pPr>
-            <a:r>
-              <a:rPr lang="en-GB"/>
-              <a:t>Software testing (verification &amp; validation) - Raj </a:t>
-            </a:r>
-          </a:p>
-          <a:p>
-            <a:pPr lvl="0">
-              <a:spcBef>
-                <a:spcPts val="0"/>
-              </a:spcBef>
-              <a:buNone/>
-            </a:pPr>
-            <a:endParaRPr/>
-          </a:p>
-        </p:txBody>
-      </p:sp>
-      <p:sp>
-        <p:nvSpPr>
-          <p:cNvPr id="542" name="Shape 542"/>
-          <p:cNvSpPr txBox="1">
-            <a:spLocks noGrp="1"/>
-          </p:cNvSpPr>
-          <p:nvPr>
-            <p:ph type="body" idx="1"/>
-          </p:nvPr>
-        </p:nvSpPr>
-        <p:spPr>
-          <a:xfrm>
-            <a:off x="311700" y="1152475"/>
-            <a:ext cx="8520600" cy="3416400"/>
-          </a:xfrm>
-          <a:prstGeom prst="rect">
-            <a:avLst/>
-          </a:prstGeom>
-        </p:spPr>
-        <p:txBody>
-          <a:bodyPr wrap="square" lIns="91425" tIns="91425" rIns="91425" bIns="91425" anchor="t" anchorCtr="0">
-            <a:noAutofit/>
-          </a:bodyPr>
-          <a:lstStyle/>
-          <a:p>
-            <a:pPr lvl="0">
-              <a:spcBef>
-                <a:spcPts val="0"/>
-              </a:spcBef>
-              <a:buNone/>
-            </a:pPr>
-            <a:endParaRPr/>
-          </a:p>
-        </p:txBody>
-      </p:sp>
     </p:spTree>
   </p:cSld>
   <p:clrMapOvr>

--- a/Sprint 1 & 2 artefacts.pptx
+++ b/Sprint 1 & 2 artefacts.pptx
@@ -13,7 +13,7 @@
     <p:sldId id="258" r:id="rId4"/>
     <p:sldId id="259" r:id="rId5"/>
     <p:sldId id="260" r:id="rId6"/>
-    <p:sldId id="261" r:id="rId7"/>
+    <p:sldId id="274" r:id="rId7"/>
     <p:sldId id="262" r:id="rId8"/>
     <p:sldId id="263" r:id="rId9"/>
     <p:sldId id="264" r:id="rId10"/>
@@ -624,7 +624,7 @@
   <p:cSld>
     <p:spTree>
       <p:nvGrpSpPr>
-        <p:cNvPr id="1" name="Shape 208"/>
+        <p:cNvPr id="1" name="Shape 232"/>
         <p:cNvGrpSpPr/>
         <p:nvPr/>
       </p:nvGrpSpPr>
@@ -638,7 +638,7 @@
       </p:grpSpPr>
       <p:sp>
         <p:nvSpPr>
-          <p:cNvPr id="209" name="Shape 209"/>
+          <p:cNvPr id="233" name="Shape 233"/>
           <p:cNvSpPr>
             <a:spLocks noGrp="1" noRot="1" noChangeAspect="1"/>
           </p:cNvSpPr>
@@ -679,7 +679,7 @@
       </p:sp>
       <p:sp>
         <p:nvSpPr>
-          <p:cNvPr id="210" name="Shape 210"/>
+          <p:cNvPr id="234" name="Shape 234"/>
           <p:cNvSpPr txBox="1">
             <a:spLocks noGrp="1"/>
           </p:cNvSpPr>
@@ -702,7 +702,7 @@
           </a:bodyPr>
           <a:lstStyle/>
           <a:p>
-            <a:pPr lvl="0">
+            <a:pPr lvl="0" rtl="0">
               <a:spcBef>
                 <a:spcPts val="0"/>
               </a:spcBef>
@@ -725,7 +725,7 @@
   <p:cSld>
     <p:spTree>
       <p:nvGrpSpPr>
-        <p:cNvPr id="1" name="Shape 232"/>
+        <p:cNvPr id="1" name="Shape 257"/>
         <p:cNvGrpSpPr/>
         <p:nvPr/>
       </p:nvGrpSpPr>
@@ -739,7 +739,7 @@
       </p:grpSpPr>
       <p:sp>
         <p:nvSpPr>
-          <p:cNvPr id="233" name="Shape 233"/>
+          <p:cNvPr id="258" name="Shape 258"/>
           <p:cNvSpPr>
             <a:spLocks noGrp="1" noRot="1" noChangeAspect="1"/>
           </p:cNvSpPr>
@@ -780,7 +780,7 @@
       </p:sp>
       <p:sp>
         <p:nvSpPr>
-          <p:cNvPr id="234" name="Shape 234"/>
+          <p:cNvPr id="259" name="Shape 259"/>
           <p:cNvSpPr txBox="1">
             <a:spLocks noGrp="1"/>
           </p:cNvSpPr>
@@ -803,7 +803,7 @@
           </a:bodyPr>
           <a:lstStyle/>
           <a:p>
-            <a:pPr lvl="0" rtl="0">
+            <a:pPr lvl="0">
               <a:spcBef>
                 <a:spcPts val="0"/>
               </a:spcBef>
@@ -826,7 +826,7 @@
   <p:cSld>
     <p:spTree>
       <p:nvGrpSpPr>
-        <p:cNvPr id="1" name="Shape 257"/>
+        <p:cNvPr id="1" name="Shape 306"/>
         <p:cNvGrpSpPr/>
         <p:nvPr/>
       </p:nvGrpSpPr>
@@ -840,7 +840,7 @@
       </p:grpSpPr>
       <p:sp>
         <p:nvSpPr>
-          <p:cNvPr id="258" name="Shape 258"/>
+          <p:cNvPr id="307" name="Shape 307"/>
           <p:cNvSpPr>
             <a:spLocks noGrp="1" noRot="1" noChangeAspect="1"/>
           </p:cNvSpPr>
@@ -881,7 +881,7 @@
       </p:sp>
       <p:sp>
         <p:nvSpPr>
-          <p:cNvPr id="259" name="Shape 259"/>
+          <p:cNvPr id="308" name="Shape 308"/>
           <p:cNvSpPr txBox="1">
             <a:spLocks noGrp="1"/>
           </p:cNvSpPr>
@@ -904,7 +904,7 @@
           </a:bodyPr>
           <a:lstStyle/>
           <a:p>
-            <a:pPr lvl="0">
+            <a:pPr lvl="0" rtl="0">
               <a:spcBef>
                 <a:spcPts val="0"/>
               </a:spcBef>
@@ -927,7 +927,7 @@
   <p:cSld>
     <p:spTree>
       <p:nvGrpSpPr>
-        <p:cNvPr id="1" name="Shape 306"/>
+        <p:cNvPr id="1" name="Shape 347"/>
         <p:cNvGrpSpPr/>
         <p:nvPr/>
       </p:nvGrpSpPr>
@@ -941,7 +941,7 @@
       </p:grpSpPr>
       <p:sp>
         <p:nvSpPr>
-          <p:cNvPr id="307" name="Shape 307"/>
+          <p:cNvPr id="348" name="Shape 348"/>
           <p:cNvSpPr>
             <a:spLocks noGrp="1" noRot="1" noChangeAspect="1"/>
           </p:cNvSpPr>
@@ -982,7 +982,7 @@
       </p:sp>
       <p:sp>
         <p:nvSpPr>
-          <p:cNvPr id="308" name="Shape 308"/>
+          <p:cNvPr id="349" name="Shape 349"/>
           <p:cNvSpPr txBox="1">
             <a:spLocks noGrp="1"/>
           </p:cNvSpPr>
@@ -1028,7 +1028,7 @@
   <p:cSld>
     <p:spTree>
       <p:nvGrpSpPr>
-        <p:cNvPr id="1" name="Shape 347"/>
+        <p:cNvPr id="1" name="Shape 537"/>
         <p:cNvGrpSpPr/>
         <p:nvPr/>
       </p:nvGrpSpPr>
@@ -1042,7 +1042,7 @@
       </p:grpSpPr>
       <p:sp>
         <p:nvSpPr>
-          <p:cNvPr id="348" name="Shape 348"/>
+          <p:cNvPr id="538" name="Shape 538"/>
           <p:cNvSpPr>
             <a:spLocks noGrp="1" noRot="1" noChangeAspect="1"/>
           </p:cNvSpPr>
@@ -1083,7 +1083,7 @@
       </p:sp>
       <p:sp>
         <p:nvSpPr>
-          <p:cNvPr id="349" name="Shape 349"/>
+          <p:cNvPr id="539" name="Shape 539"/>
           <p:cNvSpPr txBox="1">
             <a:spLocks noGrp="1"/>
           </p:cNvSpPr>
@@ -1106,7 +1106,7 @@
           </a:bodyPr>
           <a:lstStyle/>
           <a:p>
-            <a:pPr lvl="0" rtl="0">
+            <a:pPr lvl="0">
               <a:spcBef>
                 <a:spcPts val="0"/>
               </a:spcBef>
@@ -1129,7 +1129,7 @@
   <p:cSld>
     <p:spTree>
       <p:nvGrpSpPr>
-        <p:cNvPr id="1" name="Shape 537"/>
+        <p:cNvPr id="1" name="Shape 396"/>
         <p:cNvGrpSpPr/>
         <p:nvPr/>
       </p:nvGrpSpPr>
@@ -1143,7 +1143,7 @@
       </p:grpSpPr>
       <p:sp>
         <p:nvSpPr>
-          <p:cNvPr id="538" name="Shape 538"/>
+          <p:cNvPr id="397" name="Shape 397"/>
           <p:cNvSpPr>
             <a:spLocks noGrp="1" noRot="1" noChangeAspect="1"/>
           </p:cNvSpPr>
@@ -1184,7 +1184,7 @@
       </p:sp>
       <p:sp>
         <p:nvSpPr>
-          <p:cNvPr id="539" name="Shape 539"/>
+          <p:cNvPr id="398" name="Shape 398"/>
           <p:cNvSpPr txBox="1">
             <a:spLocks noGrp="1"/>
           </p:cNvSpPr>
@@ -1226,107 +1226,6 @@
 </file>
 
 <file path=ppt/notesSlides/notesSlide16.xml><?xml version="1.0" encoding="utf-8"?>
-<p:notes xmlns:a="http://schemas.openxmlformats.org/drawingml/2006/main" xmlns:r="http://schemas.openxmlformats.org/officeDocument/2006/relationships" xmlns:p="http://schemas.openxmlformats.org/presentationml/2006/main" showMasterSp="0" showMasterPhAnim="0">
-  <p:cSld>
-    <p:spTree>
-      <p:nvGrpSpPr>
-        <p:cNvPr id="1" name="Shape 396"/>
-        <p:cNvGrpSpPr/>
-        <p:nvPr/>
-      </p:nvGrpSpPr>
-      <p:grpSpPr>
-        <a:xfrm>
-          <a:off x="0" y="0"/>
-          <a:ext cx="0" cy="0"/>
-          <a:chOff x="0" y="0"/>
-          <a:chExt cx="0" cy="0"/>
-        </a:xfrm>
-      </p:grpSpPr>
-      <p:sp>
-        <p:nvSpPr>
-          <p:cNvPr id="397" name="Shape 397"/>
-          <p:cNvSpPr>
-            <a:spLocks noGrp="1" noRot="1" noChangeAspect="1"/>
-          </p:cNvSpPr>
-          <p:nvPr>
-            <p:ph type="sldImg" idx="2"/>
-          </p:nvPr>
-        </p:nvSpPr>
-        <p:spPr>
-          <a:xfrm>
-            <a:off x="381000" y="685800"/>
-            <a:ext cx="6096000" cy="3429000"/>
-          </a:xfrm>
-          <a:custGeom>
-            <a:avLst/>
-            <a:gdLst/>
-            <a:ahLst/>
-            <a:cxnLst/>
-            <a:rect l="0" t="0" r="0" b="0"/>
-            <a:pathLst>
-              <a:path w="120000" h="120000" extrusionOk="0">
-                <a:moveTo>
-                  <a:pt x="0" y="0"/>
-                </a:moveTo>
-                <a:lnTo>
-                  <a:pt x="120000" y="0"/>
-                </a:lnTo>
-                <a:lnTo>
-                  <a:pt x="120000" y="120000"/>
-                </a:lnTo>
-                <a:lnTo>
-                  <a:pt x="0" y="120000"/>
-                </a:lnTo>
-                <a:close/>
-              </a:path>
-            </a:pathLst>
-          </a:custGeom>
-        </p:spPr>
-      </p:sp>
-      <p:sp>
-        <p:nvSpPr>
-          <p:cNvPr id="398" name="Shape 398"/>
-          <p:cNvSpPr txBox="1">
-            <a:spLocks noGrp="1"/>
-          </p:cNvSpPr>
-          <p:nvPr>
-            <p:ph type="body" idx="1"/>
-          </p:nvPr>
-        </p:nvSpPr>
-        <p:spPr>
-          <a:xfrm>
-            <a:off x="685800" y="4343400"/>
-            <a:ext cx="5486400" cy="4114800"/>
-          </a:xfrm>
-          <a:prstGeom prst="rect">
-            <a:avLst/>
-          </a:prstGeom>
-        </p:spPr>
-        <p:txBody>
-          <a:bodyPr wrap="square" lIns="91425" tIns="91425" rIns="91425" bIns="91425" anchor="t" anchorCtr="0">
-            <a:noAutofit/>
-          </a:bodyPr>
-          <a:lstStyle/>
-          <a:p>
-            <a:pPr lvl="0">
-              <a:spcBef>
-                <a:spcPts val="0"/>
-              </a:spcBef>
-              <a:buNone/>
-            </a:pPr>
-            <a:endParaRPr/>
-          </a:p>
-        </p:txBody>
-      </p:sp>
-    </p:spTree>
-  </p:cSld>
-  <p:clrMapOvr>
-    <a:masterClrMapping/>
-  </p:clrMapOvr>
-</p:notes>
-</file>
-
-<file path=ppt/notesSlides/notesSlide17.xml><?xml version="1.0" encoding="utf-8"?>
 <p:notes xmlns:a="http://schemas.openxmlformats.org/drawingml/2006/main" xmlns:r="http://schemas.openxmlformats.org/officeDocument/2006/relationships" xmlns:p="http://schemas.openxmlformats.org/presentationml/2006/main" showMasterSp="0" showMasterPhAnim="0">
   <p:cSld>
     <p:spTree>
@@ -1836,7 +1735,7 @@
   <p:cSld>
     <p:spTree>
       <p:nvGrpSpPr>
-        <p:cNvPr id="1" name="Shape 158"/>
+        <p:cNvPr id="1" name="Shape 164"/>
         <p:cNvGrpSpPr/>
         <p:nvPr/>
       </p:nvGrpSpPr>
@@ -1850,7 +1749,7 @@
       </p:grpSpPr>
       <p:sp>
         <p:nvSpPr>
-          <p:cNvPr id="159" name="Shape 159"/>
+          <p:cNvPr id="165" name="Shape 165"/>
           <p:cNvSpPr>
             <a:spLocks noGrp="1" noRot="1" noChangeAspect="1"/>
           </p:cNvSpPr>
@@ -1891,7 +1790,7 @@
       </p:sp>
       <p:sp>
         <p:nvSpPr>
-          <p:cNvPr id="160" name="Shape 160"/>
+          <p:cNvPr id="166" name="Shape 166"/>
           <p:cNvSpPr txBox="1">
             <a:spLocks noGrp="1"/>
           </p:cNvSpPr>
@@ -1937,7 +1836,7 @@
   <p:cSld>
     <p:spTree>
       <p:nvGrpSpPr>
-        <p:cNvPr id="1" name="Shape 164"/>
+        <p:cNvPr id="1" name="Shape 171"/>
         <p:cNvGrpSpPr/>
         <p:nvPr/>
       </p:nvGrpSpPr>
@@ -1951,7 +1850,7 @@
       </p:grpSpPr>
       <p:sp>
         <p:nvSpPr>
-          <p:cNvPr id="165" name="Shape 165"/>
+          <p:cNvPr id="172" name="Shape 172"/>
           <p:cNvSpPr>
             <a:spLocks noGrp="1" noRot="1" noChangeAspect="1"/>
           </p:cNvSpPr>
@@ -1992,7 +1891,7 @@
       </p:sp>
       <p:sp>
         <p:nvSpPr>
-          <p:cNvPr id="166" name="Shape 166"/>
+          <p:cNvPr id="173" name="Shape 173"/>
           <p:cNvSpPr txBox="1">
             <a:spLocks noGrp="1"/>
           </p:cNvSpPr>
@@ -2038,7 +1937,7 @@
   <p:cSld>
     <p:spTree>
       <p:nvGrpSpPr>
-        <p:cNvPr id="1" name="Shape 171"/>
+        <p:cNvPr id="1" name="Shape 178"/>
         <p:cNvGrpSpPr/>
         <p:nvPr/>
       </p:nvGrpSpPr>
@@ -2052,7 +1951,7 @@
       </p:grpSpPr>
       <p:sp>
         <p:nvSpPr>
-          <p:cNvPr id="172" name="Shape 172"/>
+          <p:cNvPr id="179" name="Shape 179"/>
           <p:cNvSpPr>
             <a:spLocks noGrp="1" noRot="1" noChangeAspect="1"/>
           </p:cNvSpPr>
@@ -2093,7 +1992,7 @@
       </p:sp>
       <p:sp>
         <p:nvSpPr>
-          <p:cNvPr id="173" name="Shape 173"/>
+          <p:cNvPr id="180" name="Shape 180"/>
           <p:cNvSpPr txBox="1">
             <a:spLocks noGrp="1"/>
           </p:cNvSpPr>
@@ -2139,7 +2038,7 @@
   <p:cSld>
     <p:spTree>
       <p:nvGrpSpPr>
-        <p:cNvPr id="1" name="Shape 178"/>
+        <p:cNvPr id="1" name="Shape 208"/>
         <p:cNvGrpSpPr/>
         <p:nvPr/>
       </p:nvGrpSpPr>
@@ -2153,7 +2052,7 @@
       </p:grpSpPr>
       <p:sp>
         <p:nvSpPr>
-          <p:cNvPr id="179" name="Shape 179"/>
+          <p:cNvPr id="209" name="Shape 209"/>
           <p:cNvSpPr>
             <a:spLocks noGrp="1" noRot="1" noChangeAspect="1"/>
           </p:cNvSpPr>
@@ -2194,7 +2093,7 @@
       </p:sp>
       <p:sp>
         <p:nvSpPr>
-          <p:cNvPr id="180" name="Shape 180"/>
+          <p:cNvPr id="210" name="Shape 210"/>
           <p:cNvSpPr txBox="1">
             <a:spLocks noGrp="1"/>
           </p:cNvSpPr>
@@ -20205,7 +20104,7 @@
   <p:cSld>
     <p:spTree>
       <p:nvGrpSpPr>
-        <p:cNvPr id="1" name="Shape 161"/>
+        <p:cNvPr id="1" name=""/>
         <p:cNvGrpSpPr/>
         <p:nvPr/>
       </p:nvGrpSpPr>
@@ -20219,8 +20118,14 @@
       </p:grpSpPr>
       <p:sp>
         <p:nvSpPr>
-          <p:cNvPr id="162" name="Shape 162"/>
-          <p:cNvSpPr txBox="1">
+          <p:cNvPr id="2" name="Title 1">
+            <a:extLst>
+              <a:ext uri="{FF2B5EF4-FFF2-40B4-BE49-F238E27FC236}">
+                <a16:creationId xmlns:a16="http://schemas.microsoft.com/office/drawing/2014/main" id="{B077E897-64C7-416B-BBC3-BEF3028ABC63}"/>
+              </a:ext>
+            </a:extLst>
+          </p:cNvPr>
+          <p:cNvSpPr>
             <a:spLocks noGrp="1"/>
           </p:cNvSpPr>
           <p:nvPr>
@@ -20229,68 +20134,58 @@
         </p:nvSpPr>
         <p:spPr>
           <a:xfrm>
-            <a:off x="311700" y="445025"/>
+            <a:off x="65212" y="445025"/>
             <a:ext cx="8520600" cy="572700"/>
           </a:xfrm>
-          <a:prstGeom prst="rect">
-            <a:avLst/>
-          </a:prstGeom>
-        </p:spPr>
-        <p:txBody>
-          <a:bodyPr wrap="square" lIns="91425" tIns="91425" rIns="91425" bIns="91425" anchor="t" anchorCtr="0">
-            <a:noAutofit/>
-          </a:bodyPr>
-          <a:lstStyle/>
-          <a:p>
-            <a:pPr lvl="0">
-              <a:spcBef>
-                <a:spcPts val="0"/>
-              </a:spcBef>
-              <a:buNone/>
-            </a:pPr>
+        </p:spPr>
+        <p:txBody>
+          <a:bodyPr/>
+          <a:lstStyle/>
+          <a:p>
+            <a:pPr algn="ctr"/>
             <a:r>
-              <a:rPr lang="en-GB"/>
-              <a:t>UI - Sharen/Schech/Raj</a:t>
+              <a:rPr lang="en-AU" dirty="0"/>
+              <a:t>Data flow diagram for Smart City 1.2</a:t>
             </a:r>
           </a:p>
         </p:txBody>
       </p:sp>
-      <p:sp>
-        <p:nvSpPr>
-          <p:cNvPr id="163" name="Shape 163"/>
-          <p:cNvSpPr txBox="1">
-            <a:spLocks noGrp="1"/>
-          </p:cNvSpPr>
-          <p:nvPr>
-            <p:ph type="body" idx="1"/>
-          </p:nvPr>
-        </p:nvSpPr>
-        <p:spPr>
-          <a:xfrm>
-            <a:off x="311700" y="1152475"/>
-            <a:ext cx="8520600" cy="3416400"/>
-          </a:xfrm>
-          <a:prstGeom prst="rect">
-            <a:avLst/>
-          </a:prstGeom>
-        </p:spPr>
-        <p:txBody>
-          <a:bodyPr wrap="square" lIns="91425" tIns="91425" rIns="91425" bIns="91425" anchor="t" anchorCtr="0">
-            <a:noAutofit/>
-          </a:bodyPr>
-          <a:lstStyle/>
-          <a:p>
-            <a:pPr lvl="0">
-              <a:spcBef>
-                <a:spcPts val="0"/>
-              </a:spcBef>
-              <a:buNone/>
-            </a:pPr>
-            <a:endParaRPr/>
-          </a:p>
-        </p:txBody>
-      </p:sp>
+      <p:pic>
+        <p:nvPicPr>
+          <p:cNvPr id="4" name="Picture 3">
+            <a:extLst>
+              <a:ext uri="{FF2B5EF4-FFF2-40B4-BE49-F238E27FC236}">
+                <a16:creationId xmlns:a16="http://schemas.microsoft.com/office/drawing/2014/main" id="{8E4D470C-E97B-4137-8A8E-389486CF53DD}"/>
+              </a:ext>
+            </a:extLst>
+          </p:cNvPr>
+          <p:cNvPicPr>
+            <a:picLocks noChangeAspect="1"/>
+          </p:cNvPicPr>
+          <p:nvPr/>
+        </p:nvPicPr>
+        <p:blipFill>
+          <a:blip r:embed="rId2"/>
+          <a:stretch>
+            <a:fillRect/>
+          </a:stretch>
+        </p:blipFill>
+        <p:spPr>
+          <a:xfrm>
+            <a:off x="2232837" y="1453947"/>
+            <a:ext cx="4185351" cy="3137435"/>
+          </a:xfrm>
+          <a:prstGeom prst="rect">
+            <a:avLst/>
+          </a:prstGeom>
+        </p:spPr>
+      </p:pic>
     </p:spTree>
+    <p:extLst>
+      <p:ext uri="{BB962C8B-B14F-4D97-AF65-F5344CB8AC3E}">
+        <p14:creationId xmlns:p14="http://schemas.microsoft.com/office/powerpoint/2010/main" val="991721503"/>
+      </p:ext>
+    </p:extLst>
   </p:cSld>
   <p:clrMapOvr>
     <a:masterClrMapping/>

--- a/Sprint 1 & 2 artefacts.pptx
+++ b/Sprint 1 & 2 artefacts.pptx
@@ -20152,10 +20152,10 @@
       </p:sp>
       <p:pic>
         <p:nvPicPr>
-          <p:cNvPr id="4" name="Picture 3">
+          <p:cNvPr id="3" name="Picture 2">
             <a:extLst>
               <a:ext uri="{FF2B5EF4-FFF2-40B4-BE49-F238E27FC236}">
-                <a16:creationId xmlns:a16="http://schemas.microsoft.com/office/drawing/2014/main" id="{8E4D470C-E97B-4137-8A8E-389486CF53DD}"/>
+                <a16:creationId xmlns:a16="http://schemas.microsoft.com/office/drawing/2014/main" id="{D35F37D5-82D3-4807-BB73-FA1FFF68D366}"/>
               </a:ext>
             </a:extLst>
           </p:cNvPr>
@@ -20172,8 +20172,8 @@
         </p:blipFill>
         <p:spPr>
           <a:xfrm>
-            <a:off x="2232837" y="1453947"/>
-            <a:ext cx="4185351" cy="3137435"/>
+            <a:off x="2307280" y="1566530"/>
+            <a:ext cx="4036464" cy="3039361"/>
           </a:xfrm>
           <a:prstGeom prst="rect">
             <a:avLst/>

--- a/Sprint 1 & 2 artefacts.pptx
+++ b/Sprint 1 & 2 artefacts.pptx
@@ -20152,10 +20152,10 @@
       </p:sp>
       <p:pic>
         <p:nvPicPr>
-          <p:cNvPr id="3" name="Picture 2">
+          <p:cNvPr id="4" name="Picture 3">
             <a:extLst>
               <a:ext uri="{FF2B5EF4-FFF2-40B4-BE49-F238E27FC236}">
-                <a16:creationId xmlns:a16="http://schemas.microsoft.com/office/drawing/2014/main" id="{D35F37D5-82D3-4807-BB73-FA1FFF68D366}"/>
+                <a16:creationId xmlns:a16="http://schemas.microsoft.com/office/drawing/2014/main" id="{B5150609-FD3D-4B91-A0EA-AC8261C35461}"/>
               </a:ext>
             </a:extLst>
           </p:cNvPr>
@@ -20172,8 +20172,8 @@
         </p:blipFill>
         <p:spPr>
           <a:xfrm>
-            <a:off x="2307280" y="1566530"/>
-            <a:ext cx="4036464" cy="3039361"/>
+            <a:off x="2107472" y="1438938"/>
+            <a:ext cx="4436079" cy="3260651"/>
           </a:xfrm>
           <a:prstGeom prst="rect">
             <a:avLst/>
